--- a/ps2/figures.pptx
+++ b/ps2/figures.pptx
@@ -6,6 +6,8 @@
   </p:sldMasterIdLst>
   <p:sldIdLst>
     <p:sldId id="256" r:id="rId2"/>
+    <p:sldId id="257" r:id="rId3"/>
+    <p:sldId id="258" r:id="rId4"/>
   </p:sldIdLst>
   <p:sldSz cx="12192000" cy="6858000"/>
   <p:notesSz cx="6858000" cy="9144000"/>
@@ -104,6 +106,11 @@
       </a:defRPr>
     </a:lvl9pPr>
   </p:defaultTextStyle>
+  <p:extLst>
+    <p:ext uri="{EFAFB233-063F-42B5-8137-9DF3F51BA10A}">
+      <p15:sldGuideLst xmlns:p15="http://schemas.microsoft.com/office/powerpoint/2012/main"/>
+    </p:ext>
+  </p:extLst>
 </p:presentation>
 </file>
 
@@ -3677,6 +3684,1818 @@
 </p:sld>
 </file>
 
+<file path=ppt/slides/slide2.xml><?xml version="1.0" encoding="utf-8"?>
+<p:sld xmlns:a="http://schemas.openxmlformats.org/drawingml/2006/main" xmlns:r="http://schemas.openxmlformats.org/officeDocument/2006/relationships" xmlns:p="http://schemas.openxmlformats.org/presentationml/2006/main">
+  <p:cSld>
+    <p:spTree>
+      <p:nvGrpSpPr>
+        <p:cNvPr id="1" name=""/>
+        <p:cNvGrpSpPr/>
+        <p:nvPr/>
+      </p:nvGrpSpPr>
+      <p:grpSpPr>
+        <a:xfrm>
+          <a:off x="0" y="0"/>
+          <a:ext cx="0" cy="0"/>
+          <a:chOff x="0" y="0"/>
+          <a:chExt cx="0" cy="0"/>
+        </a:xfrm>
+      </p:grpSpPr>
+      <p:sp>
+        <p:nvSpPr>
+          <p:cNvPr id="4" name="Oval 3"/>
+          <p:cNvSpPr/>
+          <p:nvPr/>
+        </p:nvSpPr>
+        <p:spPr>
+          <a:xfrm>
+            <a:off x="2896737" y="2180571"/>
+            <a:ext cx="560070" cy="560070"/>
+          </a:xfrm>
+          <a:prstGeom prst="ellipse">
+            <a:avLst/>
+          </a:prstGeom>
+          <a:noFill/>
+          <a:ln w="25400">
+            <a:solidFill>
+              <a:schemeClr val="tx1"/>
+            </a:solidFill>
+          </a:ln>
+        </p:spPr>
+        <p:style>
+          <a:lnRef idx="2">
+            <a:schemeClr val="accent1">
+              <a:shade val="50000"/>
+            </a:schemeClr>
+          </a:lnRef>
+          <a:fillRef idx="1">
+            <a:schemeClr val="accent1"/>
+          </a:fillRef>
+          <a:effectRef idx="0">
+            <a:schemeClr val="accent1"/>
+          </a:effectRef>
+          <a:fontRef idx="minor">
+            <a:schemeClr val="lt1"/>
+          </a:fontRef>
+        </p:style>
+        <p:txBody>
+          <a:bodyPr rtlCol="0" anchor="ctr"/>
+          <a:lstStyle/>
+          <a:p>
+            <a:pPr algn="ctr"/>
+            <a:r>
+              <a:rPr lang="en-US" sz="2000" dirty="0" smtClean="0">
+                <a:solidFill>
+                  <a:schemeClr val="tx1"/>
+                </a:solidFill>
+              </a:rPr>
+              <a:t>x</a:t>
+            </a:r>
+            <a:r>
+              <a:rPr lang="en-US" sz="2000" baseline="-25000" dirty="0" smtClean="0">
+                <a:solidFill>
+                  <a:schemeClr val="tx1"/>
+                </a:solidFill>
+              </a:rPr>
+              <a:t>1</a:t>
+            </a:r>
+            <a:endParaRPr lang="en-US" sz="2000" baseline="-25000" dirty="0">
+              <a:solidFill>
+                <a:schemeClr val="tx1"/>
+              </a:solidFill>
+            </a:endParaRPr>
+          </a:p>
+        </p:txBody>
+      </p:sp>
+      <p:cxnSp>
+        <p:nvCxnSpPr>
+          <p:cNvPr id="9" name="Straight Connector 8"/>
+          <p:cNvCxnSpPr>
+            <a:stCxn id="4" idx="4"/>
+            <a:endCxn id="33" idx="0"/>
+          </p:cNvCxnSpPr>
+          <p:nvPr/>
+        </p:nvCxnSpPr>
+        <p:spPr>
+          <a:xfrm>
+            <a:off x="3176772" y="2740641"/>
+            <a:ext cx="0" cy="811530"/>
+          </a:xfrm>
+          <a:prstGeom prst="line">
+            <a:avLst/>
+          </a:prstGeom>
+          <a:ln w="25400">
+            <a:solidFill>
+              <a:schemeClr val="tx1"/>
+            </a:solidFill>
+          </a:ln>
+        </p:spPr>
+        <p:style>
+          <a:lnRef idx="1">
+            <a:schemeClr val="accent1"/>
+          </a:lnRef>
+          <a:fillRef idx="0">
+            <a:schemeClr val="accent1"/>
+          </a:fillRef>
+          <a:effectRef idx="0">
+            <a:schemeClr val="accent1"/>
+          </a:effectRef>
+          <a:fontRef idx="minor">
+            <a:schemeClr val="tx1"/>
+          </a:fontRef>
+        </p:style>
+      </p:cxnSp>
+      <p:sp>
+        <p:nvSpPr>
+          <p:cNvPr id="33" name="Oval 32"/>
+          <p:cNvSpPr/>
+          <p:nvPr/>
+        </p:nvSpPr>
+        <p:spPr>
+          <a:xfrm>
+            <a:off x="2896737" y="3552171"/>
+            <a:ext cx="560070" cy="560070"/>
+          </a:xfrm>
+          <a:prstGeom prst="ellipse">
+            <a:avLst/>
+          </a:prstGeom>
+          <a:noFill/>
+          <a:ln w="25400">
+            <a:solidFill>
+              <a:schemeClr val="tx1"/>
+            </a:solidFill>
+          </a:ln>
+        </p:spPr>
+        <p:style>
+          <a:lnRef idx="2">
+            <a:schemeClr val="accent1">
+              <a:shade val="50000"/>
+            </a:schemeClr>
+          </a:lnRef>
+          <a:fillRef idx="1">
+            <a:schemeClr val="accent1"/>
+          </a:fillRef>
+          <a:effectRef idx="0">
+            <a:schemeClr val="accent1"/>
+          </a:effectRef>
+          <a:fontRef idx="minor">
+            <a:schemeClr val="lt1"/>
+          </a:fontRef>
+        </p:style>
+        <p:txBody>
+          <a:bodyPr rtlCol="0" anchor="ctr"/>
+          <a:lstStyle/>
+          <a:p>
+            <a:pPr algn="ctr"/>
+            <a:r>
+              <a:rPr lang="en-US" sz="2000" dirty="0">
+                <a:solidFill>
+                  <a:schemeClr val="tx1"/>
+                </a:solidFill>
+              </a:rPr>
+              <a:t>y</a:t>
+            </a:r>
+            <a:r>
+              <a:rPr lang="en-US" sz="2000" baseline="-25000" dirty="0" smtClean="0">
+                <a:solidFill>
+                  <a:schemeClr val="tx1"/>
+                </a:solidFill>
+              </a:rPr>
+              <a:t>1</a:t>
+            </a:r>
+            <a:endParaRPr lang="en-US" sz="2000" baseline="-25000" dirty="0">
+              <a:solidFill>
+                <a:schemeClr val="tx1"/>
+              </a:solidFill>
+            </a:endParaRPr>
+          </a:p>
+        </p:txBody>
+      </p:sp>
+      <p:sp>
+        <p:nvSpPr>
+          <p:cNvPr id="34" name="Oval 33"/>
+          <p:cNvSpPr/>
+          <p:nvPr/>
+        </p:nvSpPr>
+        <p:spPr>
+          <a:xfrm>
+            <a:off x="4222845" y="2180571"/>
+            <a:ext cx="560070" cy="560070"/>
+          </a:xfrm>
+          <a:prstGeom prst="ellipse">
+            <a:avLst/>
+          </a:prstGeom>
+          <a:noFill/>
+          <a:ln w="25400">
+            <a:solidFill>
+              <a:schemeClr val="tx1"/>
+            </a:solidFill>
+          </a:ln>
+        </p:spPr>
+        <p:style>
+          <a:lnRef idx="2">
+            <a:schemeClr val="accent1">
+              <a:shade val="50000"/>
+            </a:schemeClr>
+          </a:lnRef>
+          <a:fillRef idx="1">
+            <a:schemeClr val="accent1"/>
+          </a:fillRef>
+          <a:effectRef idx="0">
+            <a:schemeClr val="accent1"/>
+          </a:effectRef>
+          <a:fontRef idx="minor">
+            <a:schemeClr val="lt1"/>
+          </a:fontRef>
+        </p:style>
+        <p:txBody>
+          <a:bodyPr rtlCol="0" anchor="ctr"/>
+          <a:lstStyle/>
+          <a:p>
+            <a:pPr algn="ctr"/>
+            <a:r>
+              <a:rPr lang="en-US" sz="2000" dirty="0" smtClean="0">
+                <a:solidFill>
+                  <a:schemeClr val="tx1"/>
+                </a:solidFill>
+              </a:rPr>
+              <a:t>x</a:t>
+            </a:r>
+            <a:r>
+              <a:rPr lang="en-US" sz="2000" baseline="-25000" dirty="0">
+                <a:solidFill>
+                  <a:schemeClr val="tx1"/>
+                </a:solidFill>
+              </a:rPr>
+              <a:t>2</a:t>
+            </a:r>
+          </a:p>
+        </p:txBody>
+      </p:sp>
+      <p:cxnSp>
+        <p:nvCxnSpPr>
+          <p:cNvPr id="36" name="Straight Connector 35"/>
+          <p:cNvCxnSpPr>
+            <a:stCxn id="37" idx="4"/>
+          </p:cNvCxnSpPr>
+          <p:nvPr/>
+        </p:nvCxnSpPr>
+        <p:spPr>
+          <a:xfrm>
+            <a:off x="4502880" y="2740641"/>
+            <a:ext cx="0" cy="811530"/>
+          </a:xfrm>
+          <a:prstGeom prst="line">
+            <a:avLst/>
+          </a:prstGeom>
+          <a:ln w="25400">
+            <a:solidFill>
+              <a:schemeClr val="tx1"/>
+            </a:solidFill>
+          </a:ln>
+        </p:spPr>
+        <p:style>
+          <a:lnRef idx="1">
+            <a:schemeClr val="accent1"/>
+          </a:lnRef>
+          <a:fillRef idx="0">
+            <a:schemeClr val="accent1"/>
+          </a:fillRef>
+          <a:effectRef idx="0">
+            <a:schemeClr val="accent1"/>
+          </a:effectRef>
+          <a:fontRef idx="minor">
+            <a:schemeClr val="tx1"/>
+          </a:fontRef>
+        </p:style>
+      </p:cxnSp>
+      <p:sp>
+        <p:nvSpPr>
+          <p:cNvPr id="37" name="Oval 36"/>
+          <p:cNvSpPr/>
+          <p:nvPr/>
+        </p:nvSpPr>
+        <p:spPr>
+          <a:xfrm>
+            <a:off x="4222845" y="3552171"/>
+            <a:ext cx="560070" cy="560070"/>
+          </a:xfrm>
+          <a:prstGeom prst="ellipse">
+            <a:avLst/>
+          </a:prstGeom>
+          <a:noFill/>
+          <a:ln w="25400">
+            <a:solidFill>
+              <a:schemeClr val="tx1"/>
+            </a:solidFill>
+          </a:ln>
+        </p:spPr>
+        <p:style>
+          <a:lnRef idx="2">
+            <a:schemeClr val="accent1">
+              <a:shade val="50000"/>
+            </a:schemeClr>
+          </a:lnRef>
+          <a:fillRef idx="1">
+            <a:schemeClr val="accent1"/>
+          </a:fillRef>
+          <a:effectRef idx="0">
+            <a:schemeClr val="accent1"/>
+          </a:effectRef>
+          <a:fontRef idx="minor">
+            <a:schemeClr val="lt1"/>
+          </a:fontRef>
+        </p:style>
+        <p:txBody>
+          <a:bodyPr rtlCol="0" anchor="ctr"/>
+          <a:lstStyle/>
+          <a:p>
+            <a:pPr algn="ctr"/>
+            <a:r>
+              <a:rPr lang="en-US" sz="2000" dirty="0" smtClean="0">
+                <a:solidFill>
+                  <a:schemeClr val="tx1"/>
+                </a:solidFill>
+              </a:rPr>
+              <a:t>y</a:t>
+            </a:r>
+            <a:r>
+              <a:rPr lang="en-US" sz="2000" baseline="-25000" dirty="0" smtClean="0">
+                <a:solidFill>
+                  <a:schemeClr val="tx1"/>
+                </a:solidFill>
+              </a:rPr>
+              <a:t>2</a:t>
+            </a:r>
+            <a:endParaRPr lang="en-US" sz="2000" baseline="-25000" dirty="0">
+              <a:solidFill>
+                <a:schemeClr val="tx1"/>
+              </a:solidFill>
+            </a:endParaRPr>
+          </a:p>
+        </p:txBody>
+      </p:sp>
+      <p:sp>
+        <p:nvSpPr>
+          <p:cNvPr id="39" name="Oval 38"/>
+          <p:cNvSpPr/>
+          <p:nvPr/>
+        </p:nvSpPr>
+        <p:spPr>
+          <a:xfrm>
+            <a:off x="5548953" y="2180571"/>
+            <a:ext cx="560070" cy="560070"/>
+          </a:xfrm>
+          <a:prstGeom prst="ellipse">
+            <a:avLst/>
+          </a:prstGeom>
+          <a:noFill/>
+          <a:ln w="25400">
+            <a:solidFill>
+              <a:schemeClr val="tx1"/>
+            </a:solidFill>
+          </a:ln>
+        </p:spPr>
+        <p:style>
+          <a:lnRef idx="2">
+            <a:schemeClr val="accent1">
+              <a:shade val="50000"/>
+            </a:schemeClr>
+          </a:lnRef>
+          <a:fillRef idx="1">
+            <a:schemeClr val="accent1"/>
+          </a:fillRef>
+          <a:effectRef idx="0">
+            <a:schemeClr val="accent1"/>
+          </a:effectRef>
+          <a:fontRef idx="minor">
+            <a:schemeClr val="lt1"/>
+          </a:fontRef>
+        </p:style>
+        <p:txBody>
+          <a:bodyPr rtlCol="0" anchor="ctr"/>
+          <a:lstStyle/>
+          <a:p>
+            <a:pPr algn="ctr"/>
+            <a:r>
+              <a:rPr lang="en-US" sz="2000" dirty="0" smtClean="0">
+                <a:solidFill>
+                  <a:schemeClr val="tx1"/>
+                </a:solidFill>
+              </a:rPr>
+              <a:t>x</a:t>
+            </a:r>
+            <a:r>
+              <a:rPr lang="en-US" sz="2000" baseline="-25000" dirty="0">
+                <a:solidFill>
+                  <a:schemeClr val="tx1"/>
+                </a:solidFill>
+              </a:rPr>
+              <a:t>3</a:t>
+            </a:r>
+          </a:p>
+        </p:txBody>
+      </p:sp>
+      <p:cxnSp>
+        <p:nvCxnSpPr>
+          <p:cNvPr id="40" name="Straight Connector 39"/>
+          <p:cNvCxnSpPr>
+            <a:stCxn id="41" idx="4"/>
+          </p:cNvCxnSpPr>
+          <p:nvPr/>
+        </p:nvCxnSpPr>
+        <p:spPr>
+          <a:xfrm>
+            <a:off x="5828988" y="2740641"/>
+            <a:ext cx="0" cy="811530"/>
+          </a:xfrm>
+          <a:prstGeom prst="line">
+            <a:avLst/>
+          </a:prstGeom>
+          <a:ln w="25400">
+            <a:solidFill>
+              <a:schemeClr val="tx1"/>
+            </a:solidFill>
+          </a:ln>
+        </p:spPr>
+        <p:style>
+          <a:lnRef idx="1">
+            <a:schemeClr val="accent1"/>
+          </a:lnRef>
+          <a:fillRef idx="0">
+            <a:schemeClr val="accent1"/>
+          </a:fillRef>
+          <a:effectRef idx="0">
+            <a:schemeClr val="accent1"/>
+          </a:effectRef>
+          <a:fontRef idx="minor">
+            <a:schemeClr val="tx1"/>
+          </a:fontRef>
+        </p:style>
+      </p:cxnSp>
+      <p:sp>
+        <p:nvSpPr>
+          <p:cNvPr id="41" name="Oval 40"/>
+          <p:cNvSpPr/>
+          <p:nvPr/>
+        </p:nvSpPr>
+        <p:spPr>
+          <a:xfrm>
+            <a:off x="5548953" y="3552171"/>
+            <a:ext cx="560070" cy="560070"/>
+          </a:xfrm>
+          <a:prstGeom prst="ellipse">
+            <a:avLst/>
+          </a:prstGeom>
+          <a:noFill/>
+          <a:ln w="25400">
+            <a:solidFill>
+              <a:schemeClr val="tx1"/>
+            </a:solidFill>
+          </a:ln>
+        </p:spPr>
+        <p:style>
+          <a:lnRef idx="2">
+            <a:schemeClr val="accent1">
+              <a:shade val="50000"/>
+            </a:schemeClr>
+          </a:lnRef>
+          <a:fillRef idx="1">
+            <a:schemeClr val="accent1"/>
+          </a:fillRef>
+          <a:effectRef idx="0">
+            <a:schemeClr val="accent1"/>
+          </a:effectRef>
+          <a:fontRef idx="minor">
+            <a:schemeClr val="lt1"/>
+          </a:fontRef>
+        </p:style>
+        <p:txBody>
+          <a:bodyPr rtlCol="0" anchor="ctr"/>
+          <a:lstStyle/>
+          <a:p>
+            <a:pPr algn="ctr"/>
+            <a:r>
+              <a:rPr lang="en-US" sz="2000" dirty="0" smtClean="0">
+                <a:solidFill>
+                  <a:schemeClr val="tx1"/>
+                </a:solidFill>
+              </a:rPr>
+              <a:t>y</a:t>
+            </a:r>
+            <a:r>
+              <a:rPr lang="en-US" sz="2000" baseline="-25000" dirty="0" smtClean="0">
+                <a:solidFill>
+                  <a:schemeClr val="tx1"/>
+                </a:solidFill>
+              </a:rPr>
+              <a:t>3</a:t>
+            </a:r>
+            <a:endParaRPr lang="en-US" sz="2000" baseline="-25000" dirty="0">
+              <a:solidFill>
+                <a:schemeClr val="tx1"/>
+              </a:solidFill>
+            </a:endParaRPr>
+          </a:p>
+        </p:txBody>
+      </p:sp>
+      <p:sp>
+        <p:nvSpPr>
+          <p:cNvPr id="42" name="Oval 41"/>
+          <p:cNvSpPr/>
+          <p:nvPr/>
+        </p:nvSpPr>
+        <p:spPr>
+          <a:xfrm>
+            <a:off x="6875061" y="2180571"/>
+            <a:ext cx="560070" cy="560070"/>
+          </a:xfrm>
+          <a:prstGeom prst="ellipse">
+            <a:avLst/>
+          </a:prstGeom>
+          <a:noFill/>
+          <a:ln w="25400">
+            <a:solidFill>
+              <a:schemeClr val="tx1"/>
+            </a:solidFill>
+          </a:ln>
+        </p:spPr>
+        <p:style>
+          <a:lnRef idx="2">
+            <a:schemeClr val="accent1">
+              <a:shade val="50000"/>
+            </a:schemeClr>
+          </a:lnRef>
+          <a:fillRef idx="1">
+            <a:schemeClr val="accent1"/>
+          </a:fillRef>
+          <a:effectRef idx="0">
+            <a:schemeClr val="accent1"/>
+          </a:effectRef>
+          <a:fontRef idx="minor">
+            <a:schemeClr val="lt1"/>
+          </a:fontRef>
+        </p:style>
+        <p:txBody>
+          <a:bodyPr rtlCol="0" anchor="ctr"/>
+          <a:lstStyle/>
+          <a:p>
+            <a:pPr algn="ctr"/>
+            <a:r>
+              <a:rPr lang="en-US" sz="2000" dirty="0" smtClean="0">
+                <a:solidFill>
+                  <a:schemeClr val="tx1"/>
+                </a:solidFill>
+              </a:rPr>
+              <a:t>x</a:t>
+            </a:r>
+            <a:r>
+              <a:rPr lang="en-US" sz="2000" baseline="-25000" dirty="0">
+                <a:solidFill>
+                  <a:schemeClr val="tx1"/>
+                </a:solidFill>
+              </a:rPr>
+              <a:t>4</a:t>
+            </a:r>
+          </a:p>
+        </p:txBody>
+      </p:sp>
+      <p:cxnSp>
+        <p:nvCxnSpPr>
+          <p:cNvPr id="43" name="Straight Connector 42"/>
+          <p:cNvCxnSpPr>
+            <a:stCxn id="44" idx="4"/>
+          </p:cNvCxnSpPr>
+          <p:nvPr/>
+        </p:nvCxnSpPr>
+        <p:spPr>
+          <a:xfrm>
+            <a:off x="7155096" y="2740641"/>
+            <a:ext cx="0" cy="811530"/>
+          </a:xfrm>
+          <a:prstGeom prst="line">
+            <a:avLst/>
+          </a:prstGeom>
+          <a:ln w="25400">
+            <a:solidFill>
+              <a:schemeClr val="tx1"/>
+            </a:solidFill>
+          </a:ln>
+        </p:spPr>
+        <p:style>
+          <a:lnRef idx="1">
+            <a:schemeClr val="accent1"/>
+          </a:lnRef>
+          <a:fillRef idx="0">
+            <a:schemeClr val="accent1"/>
+          </a:fillRef>
+          <a:effectRef idx="0">
+            <a:schemeClr val="accent1"/>
+          </a:effectRef>
+          <a:fontRef idx="minor">
+            <a:schemeClr val="tx1"/>
+          </a:fontRef>
+        </p:style>
+      </p:cxnSp>
+      <p:sp>
+        <p:nvSpPr>
+          <p:cNvPr id="44" name="Oval 43"/>
+          <p:cNvSpPr/>
+          <p:nvPr/>
+        </p:nvSpPr>
+        <p:spPr>
+          <a:xfrm>
+            <a:off x="6875061" y="3552171"/>
+            <a:ext cx="560070" cy="560070"/>
+          </a:xfrm>
+          <a:prstGeom prst="ellipse">
+            <a:avLst/>
+          </a:prstGeom>
+          <a:noFill/>
+          <a:ln w="25400">
+            <a:solidFill>
+              <a:schemeClr val="tx1"/>
+            </a:solidFill>
+          </a:ln>
+        </p:spPr>
+        <p:style>
+          <a:lnRef idx="2">
+            <a:schemeClr val="accent1">
+              <a:shade val="50000"/>
+            </a:schemeClr>
+          </a:lnRef>
+          <a:fillRef idx="1">
+            <a:schemeClr val="accent1"/>
+          </a:fillRef>
+          <a:effectRef idx="0">
+            <a:schemeClr val="accent1"/>
+          </a:effectRef>
+          <a:fontRef idx="minor">
+            <a:schemeClr val="lt1"/>
+          </a:fontRef>
+        </p:style>
+        <p:txBody>
+          <a:bodyPr rtlCol="0" anchor="ctr"/>
+          <a:lstStyle/>
+          <a:p>
+            <a:pPr algn="ctr"/>
+            <a:r>
+              <a:rPr lang="en-US" sz="2000" dirty="0" smtClean="0">
+                <a:solidFill>
+                  <a:schemeClr val="tx1"/>
+                </a:solidFill>
+              </a:rPr>
+              <a:t>y</a:t>
+            </a:r>
+            <a:r>
+              <a:rPr lang="en-US" sz="2000" baseline="-25000" dirty="0">
+                <a:solidFill>
+                  <a:schemeClr val="tx1"/>
+                </a:solidFill>
+              </a:rPr>
+              <a:t>4</a:t>
+            </a:r>
+          </a:p>
+        </p:txBody>
+      </p:sp>
+      <p:cxnSp>
+        <p:nvCxnSpPr>
+          <p:cNvPr id="45" name="Straight Connector 44"/>
+          <p:cNvCxnSpPr>
+            <a:stCxn id="4" idx="6"/>
+            <a:endCxn id="34" idx="2"/>
+          </p:cNvCxnSpPr>
+          <p:nvPr/>
+        </p:nvCxnSpPr>
+        <p:spPr>
+          <a:xfrm>
+            <a:off x="3456807" y="2460606"/>
+            <a:ext cx="766038" cy="0"/>
+          </a:xfrm>
+          <a:prstGeom prst="line">
+            <a:avLst/>
+          </a:prstGeom>
+          <a:ln w="25400">
+            <a:solidFill>
+              <a:schemeClr val="tx1"/>
+            </a:solidFill>
+          </a:ln>
+        </p:spPr>
+        <p:style>
+          <a:lnRef idx="1">
+            <a:schemeClr val="accent1"/>
+          </a:lnRef>
+          <a:fillRef idx="0">
+            <a:schemeClr val="accent1"/>
+          </a:fillRef>
+          <a:effectRef idx="0">
+            <a:schemeClr val="accent1"/>
+          </a:effectRef>
+          <a:fontRef idx="minor">
+            <a:schemeClr val="tx1"/>
+          </a:fontRef>
+        </p:style>
+      </p:cxnSp>
+      <p:cxnSp>
+        <p:nvCxnSpPr>
+          <p:cNvPr id="46" name="Straight Connector 45"/>
+          <p:cNvCxnSpPr>
+            <a:stCxn id="34" idx="6"/>
+            <a:endCxn id="39" idx="2"/>
+          </p:cNvCxnSpPr>
+          <p:nvPr/>
+        </p:nvCxnSpPr>
+        <p:spPr>
+          <a:xfrm>
+            <a:off x="4782915" y="2460606"/>
+            <a:ext cx="766038" cy="0"/>
+          </a:xfrm>
+          <a:prstGeom prst="line">
+            <a:avLst/>
+          </a:prstGeom>
+          <a:ln w="25400">
+            <a:solidFill>
+              <a:schemeClr val="tx1"/>
+            </a:solidFill>
+          </a:ln>
+        </p:spPr>
+        <p:style>
+          <a:lnRef idx="1">
+            <a:schemeClr val="accent1"/>
+          </a:lnRef>
+          <a:fillRef idx="0">
+            <a:schemeClr val="accent1"/>
+          </a:fillRef>
+          <a:effectRef idx="0">
+            <a:schemeClr val="accent1"/>
+          </a:effectRef>
+          <a:fontRef idx="minor">
+            <a:schemeClr val="tx1"/>
+          </a:fontRef>
+        </p:style>
+      </p:cxnSp>
+      <p:cxnSp>
+        <p:nvCxnSpPr>
+          <p:cNvPr id="47" name="Straight Connector 46"/>
+          <p:cNvCxnSpPr>
+            <a:stCxn id="39" idx="6"/>
+            <a:endCxn id="42" idx="2"/>
+          </p:cNvCxnSpPr>
+          <p:nvPr/>
+        </p:nvCxnSpPr>
+        <p:spPr>
+          <a:xfrm>
+            <a:off x="6109023" y="2460606"/>
+            <a:ext cx="766038" cy="0"/>
+          </a:xfrm>
+          <a:prstGeom prst="line">
+            <a:avLst/>
+          </a:prstGeom>
+          <a:ln w="25400">
+            <a:solidFill>
+              <a:schemeClr val="tx1"/>
+            </a:solidFill>
+          </a:ln>
+        </p:spPr>
+        <p:style>
+          <a:lnRef idx="1">
+            <a:schemeClr val="accent1"/>
+          </a:lnRef>
+          <a:fillRef idx="0">
+            <a:schemeClr val="accent1"/>
+          </a:fillRef>
+          <a:effectRef idx="0">
+            <a:schemeClr val="accent1"/>
+          </a:effectRef>
+          <a:fontRef idx="minor">
+            <a:schemeClr val="tx1"/>
+          </a:fontRef>
+        </p:style>
+      </p:cxnSp>
+      <p:cxnSp>
+        <p:nvCxnSpPr>
+          <p:cNvPr id="48" name="Straight Connector 47"/>
+          <p:cNvCxnSpPr>
+            <a:stCxn id="39" idx="5"/>
+            <a:endCxn id="44" idx="1"/>
+          </p:cNvCxnSpPr>
+          <p:nvPr/>
+        </p:nvCxnSpPr>
+        <p:spPr>
+          <a:xfrm>
+            <a:off x="6027003" y="2658621"/>
+            <a:ext cx="930078" cy="975570"/>
+          </a:xfrm>
+          <a:prstGeom prst="line">
+            <a:avLst/>
+          </a:prstGeom>
+          <a:ln w="25400">
+            <a:solidFill>
+              <a:schemeClr val="tx1"/>
+            </a:solidFill>
+            <a:prstDash val="sysDash"/>
+          </a:ln>
+        </p:spPr>
+        <p:style>
+          <a:lnRef idx="1">
+            <a:schemeClr val="accent1"/>
+          </a:lnRef>
+          <a:fillRef idx="0">
+            <a:schemeClr val="accent1"/>
+          </a:fillRef>
+          <a:effectRef idx="0">
+            <a:schemeClr val="accent1"/>
+          </a:effectRef>
+          <a:fontRef idx="minor">
+            <a:schemeClr val="tx1"/>
+          </a:fontRef>
+        </p:style>
+      </p:cxnSp>
+      <p:cxnSp>
+        <p:nvCxnSpPr>
+          <p:cNvPr id="50" name="Straight Connector 49"/>
+          <p:cNvCxnSpPr>
+            <a:stCxn id="34" idx="3"/>
+            <a:endCxn id="33" idx="7"/>
+          </p:cNvCxnSpPr>
+          <p:nvPr/>
+        </p:nvCxnSpPr>
+        <p:spPr>
+          <a:xfrm flipH="1">
+            <a:off x="3374787" y="2658621"/>
+            <a:ext cx="930078" cy="975570"/>
+          </a:xfrm>
+          <a:prstGeom prst="line">
+            <a:avLst/>
+          </a:prstGeom>
+          <a:ln w="25400">
+            <a:solidFill>
+              <a:schemeClr val="tx1"/>
+            </a:solidFill>
+            <a:prstDash val="sysDash"/>
+          </a:ln>
+        </p:spPr>
+        <p:style>
+          <a:lnRef idx="1">
+            <a:schemeClr val="accent1"/>
+          </a:lnRef>
+          <a:fillRef idx="0">
+            <a:schemeClr val="accent1"/>
+          </a:fillRef>
+          <a:effectRef idx="0">
+            <a:schemeClr val="accent1"/>
+          </a:effectRef>
+          <a:fontRef idx="minor">
+            <a:schemeClr val="tx1"/>
+          </a:fontRef>
+        </p:style>
+      </p:cxnSp>
+      <p:cxnSp>
+        <p:nvCxnSpPr>
+          <p:cNvPr id="55" name="Straight Connector 54"/>
+          <p:cNvCxnSpPr>
+            <a:stCxn id="37" idx="2"/>
+            <a:endCxn id="33" idx="6"/>
+          </p:cNvCxnSpPr>
+          <p:nvPr/>
+        </p:nvCxnSpPr>
+        <p:spPr>
+          <a:xfrm flipH="1">
+            <a:off x="3456807" y="3832206"/>
+            <a:ext cx="766038" cy="0"/>
+          </a:xfrm>
+          <a:prstGeom prst="line">
+            <a:avLst/>
+          </a:prstGeom>
+          <a:ln w="25400">
+            <a:solidFill>
+              <a:schemeClr val="tx1"/>
+            </a:solidFill>
+            <a:prstDash val="sysDash"/>
+          </a:ln>
+        </p:spPr>
+        <p:style>
+          <a:lnRef idx="1">
+            <a:schemeClr val="accent1"/>
+          </a:lnRef>
+          <a:fillRef idx="0">
+            <a:schemeClr val="accent1"/>
+          </a:fillRef>
+          <a:effectRef idx="0">
+            <a:schemeClr val="accent1"/>
+          </a:effectRef>
+          <a:fontRef idx="minor">
+            <a:schemeClr val="tx1"/>
+          </a:fontRef>
+        </p:style>
+      </p:cxnSp>
+    </p:spTree>
+    <p:extLst>
+      <p:ext uri="{BB962C8B-B14F-4D97-AF65-F5344CB8AC3E}">
+        <p14:creationId xmlns:p14="http://schemas.microsoft.com/office/powerpoint/2010/main" val="1004930455"/>
+      </p:ext>
+    </p:extLst>
+  </p:cSld>
+  <p:clrMapOvr>
+    <a:masterClrMapping/>
+  </p:clrMapOvr>
+</p:sld>
+</file>
+
+<file path=ppt/slides/slide3.xml><?xml version="1.0" encoding="utf-8"?>
+<p:sld xmlns:a="http://schemas.openxmlformats.org/drawingml/2006/main" xmlns:r="http://schemas.openxmlformats.org/officeDocument/2006/relationships" xmlns:p="http://schemas.openxmlformats.org/presentationml/2006/main">
+  <p:cSld>
+    <p:spTree>
+      <p:nvGrpSpPr>
+        <p:cNvPr id="1" name=""/>
+        <p:cNvGrpSpPr/>
+        <p:nvPr/>
+      </p:nvGrpSpPr>
+      <p:grpSpPr>
+        <a:xfrm>
+          <a:off x="0" y="0"/>
+          <a:ext cx="0" cy="0"/>
+          <a:chOff x="0" y="0"/>
+          <a:chExt cx="0" cy="0"/>
+        </a:xfrm>
+      </p:grpSpPr>
+      <p:sp>
+        <p:nvSpPr>
+          <p:cNvPr id="4" name="Oval 3"/>
+          <p:cNvSpPr/>
+          <p:nvPr/>
+        </p:nvSpPr>
+        <p:spPr>
+          <a:xfrm>
+            <a:off x="2896737" y="2180571"/>
+            <a:ext cx="560070" cy="560070"/>
+          </a:xfrm>
+          <a:prstGeom prst="ellipse">
+            <a:avLst/>
+          </a:prstGeom>
+          <a:noFill/>
+          <a:ln w="25400">
+            <a:solidFill>
+              <a:schemeClr val="tx1"/>
+            </a:solidFill>
+          </a:ln>
+        </p:spPr>
+        <p:style>
+          <a:lnRef idx="2">
+            <a:schemeClr val="accent1">
+              <a:shade val="50000"/>
+            </a:schemeClr>
+          </a:lnRef>
+          <a:fillRef idx="1">
+            <a:schemeClr val="accent1"/>
+          </a:fillRef>
+          <a:effectRef idx="0">
+            <a:schemeClr val="accent1"/>
+          </a:effectRef>
+          <a:fontRef idx="minor">
+            <a:schemeClr val="lt1"/>
+          </a:fontRef>
+        </p:style>
+        <p:txBody>
+          <a:bodyPr rtlCol="0" anchor="ctr"/>
+          <a:lstStyle/>
+          <a:p>
+            <a:pPr algn="ctr"/>
+            <a:r>
+              <a:rPr lang="en-US" sz="2000" dirty="0" smtClean="0">
+                <a:solidFill>
+                  <a:schemeClr val="tx1"/>
+                </a:solidFill>
+              </a:rPr>
+              <a:t>x</a:t>
+            </a:r>
+            <a:r>
+              <a:rPr lang="en-US" sz="2000" baseline="-25000" dirty="0" smtClean="0">
+                <a:solidFill>
+                  <a:schemeClr val="tx1"/>
+                </a:solidFill>
+              </a:rPr>
+              <a:t>1</a:t>
+            </a:r>
+            <a:endParaRPr lang="en-US" sz="2000" baseline="-25000" dirty="0">
+              <a:solidFill>
+                <a:schemeClr val="tx1"/>
+              </a:solidFill>
+            </a:endParaRPr>
+          </a:p>
+        </p:txBody>
+      </p:sp>
+      <p:cxnSp>
+        <p:nvCxnSpPr>
+          <p:cNvPr id="9" name="Straight Connector 8"/>
+          <p:cNvCxnSpPr>
+            <a:stCxn id="4" idx="4"/>
+            <a:endCxn id="33" idx="0"/>
+          </p:cNvCxnSpPr>
+          <p:nvPr/>
+        </p:nvCxnSpPr>
+        <p:spPr>
+          <a:xfrm>
+            <a:off x="3176772" y="2740641"/>
+            <a:ext cx="0" cy="811530"/>
+          </a:xfrm>
+          <a:prstGeom prst="line">
+            <a:avLst/>
+          </a:prstGeom>
+          <a:ln w="25400">
+            <a:solidFill>
+              <a:schemeClr val="tx1"/>
+            </a:solidFill>
+          </a:ln>
+        </p:spPr>
+        <p:style>
+          <a:lnRef idx="1">
+            <a:schemeClr val="accent1"/>
+          </a:lnRef>
+          <a:fillRef idx="0">
+            <a:schemeClr val="accent1"/>
+          </a:fillRef>
+          <a:effectRef idx="0">
+            <a:schemeClr val="accent1"/>
+          </a:effectRef>
+          <a:fontRef idx="minor">
+            <a:schemeClr val="tx1"/>
+          </a:fontRef>
+        </p:style>
+      </p:cxnSp>
+      <p:sp>
+        <p:nvSpPr>
+          <p:cNvPr id="33" name="Oval 32"/>
+          <p:cNvSpPr/>
+          <p:nvPr/>
+        </p:nvSpPr>
+        <p:spPr>
+          <a:xfrm>
+            <a:off x="2896737" y="3552171"/>
+            <a:ext cx="560070" cy="560070"/>
+          </a:xfrm>
+          <a:prstGeom prst="ellipse">
+            <a:avLst/>
+          </a:prstGeom>
+          <a:noFill/>
+          <a:ln w="25400">
+            <a:solidFill>
+              <a:schemeClr val="tx1"/>
+            </a:solidFill>
+          </a:ln>
+        </p:spPr>
+        <p:style>
+          <a:lnRef idx="2">
+            <a:schemeClr val="accent1">
+              <a:shade val="50000"/>
+            </a:schemeClr>
+          </a:lnRef>
+          <a:fillRef idx="1">
+            <a:schemeClr val="accent1"/>
+          </a:fillRef>
+          <a:effectRef idx="0">
+            <a:schemeClr val="accent1"/>
+          </a:effectRef>
+          <a:fontRef idx="minor">
+            <a:schemeClr val="lt1"/>
+          </a:fontRef>
+        </p:style>
+        <p:txBody>
+          <a:bodyPr rtlCol="0" anchor="ctr"/>
+          <a:lstStyle/>
+          <a:p>
+            <a:pPr algn="ctr"/>
+            <a:r>
+              <a:rPr lang="en-US" sz="2000" dirty="0">
+                <a:solidFill>
+                  <a:schemeClr val="tx1"/>
+                </a:solidFill>
+              </a:rPr>
+              <a:t>y</a:t>
+            </a:r>
+            <a:r>
+              <a:rPr lang="en-US" sz="2000" baseline="-25000" dirty="0" smtClean="0">
+                <a:solidFill>
+                  <a:schemeClr val="tx1"/>
+                </a:solidFill>
+              </a:rPr>
+              <a:t>1</a:t>
+            </a:r>
+            <a:endParaRPr lang="en-US" sz="2000" baseline="-25000" dirty="0">
+              <a:solidFill>
+                <a:schemeClr val="tx1"/>
+              </a:solidFill>
+            </a:endParaRPr>
+          </a:p>
+        </p:txBody>
+      </p:sp>
+      <p:sp>
+        <p:nvSpPr>
+          <p:cNvPr id="34" name="Oval 33"/>
+          <p:cNvSpPr/>
+          <p:nvPr/>
+        </p:nvSpPr>
+        <p:spPr>
+          <a:xfrm>
+            <a:off x="4222845" y="2180571"/>
+            <a:ext cx="560070" cy="560070"/>
+          </a:xfrm>
+          <a:prstGeom prst="ellipse">
+            <a:avLst/>
+          </a:prstGeom>
+          <a:noFill/>
+          <a:ln w="25400">
+            <a:solidFill>
+              <a:schemeClr val="tx1"/>
+            </a:solidFill>
+          </a:ln>
+        </p:spPr>
+        <p:style>
+          <a:lnRef idx="2">
+            <a:schemeClr val="accent1">
+              <a:shade val="50000"/>
+            </a:schemeClr>
+          </a:lnRef>
+          <a:fillRef idx="1">
+            <a:schemeClr val="accent1"/>
+          </a:fillRef>
+          <a:effectRef idx="0">
+            <a:schemeClr val="accent1"/>
+          </a:effectRef>
+          <a:fontRef idx="minor">
+            <a:schemeClr val="lt1"/>
+          </a:fontRef>
+        </p:style>
+        <p:txBody>
+          <a:bodyPr rtlCol="0" anchor="ctr"/>
+          <a:lstStyle/>
+          <a:p>
+            <a:pPr algn="ctr"/>
+            <a:r>
+              <a:rPr lang="en-US" sz="2000" dirty="0" smtClean="0">
+                <a:solidFill>
+                  <a:schemeClr val="tx1"/>
+                </a:solidFill>
+              </a:rPr>
+              <a:t>x</a:t>
+            </a:r>
+            <a:r>
+              <a:rPr lang="en-US" sz="2000" baseline="-25000" dirty="0">
+                <a:solidFill>
+                  <a:schemeClr val="tx1"/>
+                </a:solidFill>
+              </a:rPr>
+              <a:t>2</a:t>
+            </a:r>
+          </a:p>
+        </p:txBody>
+      </p:sp>
+      <p:cxnSp>
+        <p:nvCxnSpPr>
+          <p:cNvPr id="36" name="Straight Connector 35"/>
+          <p:cNvCxnSpPr>
+            <a:stCxn id="37" idx="4"/>
+          </p:cNvCxnSpPr>
+          <p:nvPr/>
+        </p:nvCxnSpPr>
+        <p:spPr>
+          <a:xfrm>
+            <a:off x="4502880" y="2740641"/>
+            <a:ext cx="0" cy="811530"/>
+          </a:xfrm>
+          <a:prstGeom prst="line">
+            <a:avLst/>
+          </a:prstGeom>
+          <a:ln w="25400">
+            <a:solidFill>
+              <a:schemeClr val="tx1"/>
+            </a:solidFill>
+          </a:ln>
+        </p:spPr>
+        <p:style>
+          <a:lnRef idx="1">
+            <a:schemeClr val="accent1"/>
+          </a:lnRef>
+          <a:fillRef idx="0">
+            <a:schemeClr val="accent1"/>
+          </a:fillRef>
+          <a:effectRef idx="0">
+            <a:schemeClr val="accent1"/>
+          </a:effectRef>
+          <a:fontRef idx="minor">
+            <a:schemeClr val="tx1"/>
+          </a:fontRef>
+        </p:style>
+      </p:cxnSp>
+      <p:sp>
+        <p:nvSpPr>
+          <p:cNvPr id="37" name="Oval 36"/>
+          <p:cNvSpPr/>
+          <p:nvPr/>
+        </p:nvSpPr>
+        <p:spPr>
+          <a:xfrm>
+            <a:off x="4222845" y="3552171"/>
+            <a:ext cx="560070" cy="560070"/>
+          </a:xfrm>
+          <a:prstGeom prst="ellipse">
+            <a:avLst/>
+          </a:prstGeom>
+          <a:noFill/>
+          <a:ln w="25400">
+            <a:solidFill>
+              <a:schemeClr val="tx1"/>
+            </a:solidFill>
+          </a:ln>
+        </p:spPr>
+        <p:style>
+          <a:lnRef idx="2">
+            <a:schemeClr val="accent1">
+              <a:shade val="50000"/>
+            </a:schemeClr>
+          </a:lnRef>
+          <a:fillRef idx="1">
+            <a:schemeClr val="accent1"/>
+          </a:fillRef>
+          <a:effectRef idx="0">
+            <a:schemeClr val="accent1"/>
+          </a:effectRef>
+          <a:fontRef idx="minor">
+            <a:schemeClr val="lt1"/>
+          </a:fontRef>
+        </p:style>
+        <p:txBody>
+          <a:bodyPr rtlCol="0" anchor="ctr"/>
+          <a:lstStyle/>
+          <a:p>
+            <a:pPr algn="ctr"/>
+            <a:r>
+              <a:rPr lang="en-US" sz="2000" dirty="0" smtClean="0">
+                <a:solidFill>
+                  <a:schemeClr val="tx1"/>
+                </a:solidFill>
+              </a:rPr>
+              <a:t>y</a:t>
+            </a:r>
+            <a:r>
+              <a:rPr lang="en-US" sz="2000" baseline="-25000" dirty="0" smtClean="0">
+                <a:solidFill>
+                  <a:schemeClr val="tx1"/>
+                </a:solidFill>
+              </a:rPr>
+              <a:t>2</a:t>
+            </a:r>
+            <a:endParaRPr lang="en-US" sz="2000" baseline="-25000" dirty="0">
+              <a:solidFill>
+                <a:schemeClr val="tx1"/>
+              </a:solidFill>
+            </a:endParaRPr>
+          </a:p>
+        </p:txBody>
+      </p:sp>
+      <p:sp>
+        <p:nvSpPr>
+          <p:cNvPr id="42" name="Oval 41"/>
+          <p:cNvSpPr/>
+          <p:nvPr/>
+        </p:nvSpPr>
+        <p:spPr>
+          <a:xfrm>
+            <a:off x="7407323" y="2180571"/>
+            <a:ext cx="560070" cy="560070"/>
+          </a:xfrm>
+          <a:prstGeom prst="ellipse">
+            <a:avLst/>
+          </a:prstGeom>
+          <a:noFill/>
+          <a:ln w="25400">
+            <a:solidFill>
+              <a:schemeClr val="tx1"/>
+            </a:solidFill>
+          </a:ln>
+        </p:spPr>
+        <p:style>
+          <a:lnRef idx="2">
+            <a:schemeClr val="accent1">
+              <a:shade val="50000"/>
+            </a:schemeClr>
+          </a:lnRef>
+          <a:fillRef idx="1">
+            <a:schemeClr val="accent1"/>
+          </a:fillRef>
+          <a:effectRef idx="0">
+            <a:schemeClr val="accent1"/>
+          </a:effectRef>
+          <a:fontRef idx="minor">
+            <a:schemeClr val="lt1"/>
+          </a:fontRef>
+        </p:style>
+        <p:txBody>
+          <a:bodyPr rtlCol="0" anchor="ctr"/>
+          <a:lstStyle/>
+          <a:p>
+            <a:pPr algn="ctr"/>
+            <a:r>
+              <a:rPr lang="en-US" sz="2000" dirty="0" err="1" smtClean="0">
+                <a:solidFill>
+                  <a:schemeClr val="tx1"/>
+                </a:solidFill>
+              </a:rPr>
+              <a:t>x</a:t>
+            </a:r>
+            <a:r>
+              <a:rPr lang="en-US" sz="2000" baseline="-25000" dirty="0" err="1">
+                <a:solidFill>
+                  <a:schemeClr val="tx1"/>
+                </a:solidFill>
+              </a:rPr>
+              <a:t>n</a:t>
+            </a:r>
+            <a:endParaRPr lang="en-US" sz="2000" baseline="-25000" dirty="0">
+              <a:solidFill>
+                <a:schemeClr val="tx1"/>
+              </a:solidFill>
+            </a:endParaRPr>
+          </a:p>
+        </p:txBody>
+      </p:sp>
+      <p:cxnSp>
+        <p:nvCxnSpPr>
+          <p:cNvPr id="43" name="Straight Connector 42"/>
+          <p:cNvCxnSpPr>
+            <a:stCxn id="44" idx="4"/>
+          </p:cNvCxnSpPr>
+          <p:nvPr/>
+        </p:nvCxnSpPr>
+        <p:spPr>
+          <a:xfrm>
+            <a:off x="7687358" y="2740641"/>
+            <a:ext cx="0" cy="811530"/>
+          </a:xfrm>
+          <a:prstGeom prst="line">
+            <a:avLst/>
+          </a:prstGeom>
+          <a:ln w="25400">
+            <a:solidFill>
+              <a:schemeClr val="tx1"/>
+            </a:solidFill>
+          </a:ln>
+        </p:spPr>
+        <p:style>
+          <a:lnRef idx="1">
+            <a:schemeClr val="accent1"/>
+          </a:lnRef>
+          <a:fillRef idx="0">
+            <a:schemeClr val="accent1"/>
+          </a:fillRef>
+          <a:effectRef idx="0">
+            <a:schemeClr val="accent1"/>
+          </a:effectRef>
+          <a:fontRef idx="minor">
+            <a:schemeClr val="tx1"/>
+          </a:fontRef>
+        </p:style>
+      </p:cxnSp>
+      <p:sp>
+        <p:nvSpPr>
+          <p:cNvPr id="44" name="Oval 43"/>
+          <p:cNvSpPr/>
+          <p:nvPr/>
+        </p:nvSpPr>
+        <p:spPr>
+          <a:xfrm>
+            <a:off x="7407323" y="3552171"/>
+            <a:ext cx="560070" cy="560070"/>
+          </a:xfrm>
+          <a:prstGeom prst="ellipse">
+            <a:avLst/>
+          </a:prstGeom>
+          <a:noFill/>
+          <a:ln w="25400">
+            <a:solidFill>
+              <a:schemeClr val="tx1"/>
+            </a:solidFill>
+          </a:ln>
+        </p:spPr>
+        <p:style>
+          <a:lnRef idx="2">
+            <a:schemeClr val="accent1">
+              <a:shade val="50000"/>
+            </a:schemeClr>
+          </a:lnRef>
+          <a:fillRef idx="1">
+            <a:schemeClr val="accent1"/>
+          </a:fillRef>
+          <a:effectRef idx="0">
+            <a:schemeClr val="accent1"/>
+          </a:effectRef>
+          <a:fontRef idx="minor">
+            <a:schemeClr val="lt1"/>
+          </a:fontRef>
+        </p:style>
+        <p:txBody>
+          <a:bodyPr rtlCol="0" anchor="ctr"/>
+          <a:lstStyle/>
+          <a:p>
+            <a:pPr algn="ctr"/>
+            <a:r>
+              <a:rPr lang="en-US" sz="2000" smtClean="0">
+                <a:solidFill>
+                  <a:schemeClr val="tx1"/>
+                </a:solidFill>
+              </a:rPr>
+              <a:t>y</a:t>
+            </a:r>
+            <a:r>
+              <a:rPr lang="en-US" sz="2000" baseline="-25000" dirty="0">
+                <a:solidFill>
+                  <a:schemeClr val="tx1"/>
+                </a:solidFill>
+              </a:rPr>
+              <a:t>n</a:t>
+            </a:r>
+          </a:p>
+        </p:txBody>
+      </p:sp>
+      <p:cxnSp>
+        <p:nvCxnSpPr>
+          <p:cNvPr id="45" name="Straight Connector 44"/>
+          <p:cNvCxnSpPr>
+            <a:stCxn id="4" idx="6"/>
+            <a:endCxn id="34" idx="2"/>
+          </p:cNvCxnSpPr>
+          <p:nvPr/>
+        </p:nvCxnSpPr>
+        <p:spPr>
+          <a:xfrm>
+            <a:off x="3456807" y="2460606"/>
+            <a:ext cx="766038" cy="0"/>
+          </a:xfrm>
+          <a:prstGeom prst="line">
+            <a:avLst/>
+          </a:prstGeom>
+          <a:ln w="25400">
+            <a:solidFill>
+              <a:schemeClr val="tx1"/>
+            </a:solidFill>
+          </a:ln>
+        </p:spPr>
+        <p:style>
+          <a:lnRef idx="1">
+            <a:schemeClr val="accent1"/>
+          </a:lnRef>
+          <a:fillRef idx="0">
+            <a:schemeClr val="accent1"/>
+          </a:fillRef>
+          <a:effectRef idx="0">
+            <a:schemeClr val="accent1"/>
+          </a:effectRef>
+          <a:fontRef idx="minor">
+            <a:schemeClr val="tx1"/>
+          </a:fontRef>
+        </p:style>
+      </p:cxnSp>
+      <p:cxnSp>
+        <p:nvCxnSpPr>
+          <p:cNvPr id="46" name="Straight Connector 45"/>
+          <p:cNvCxnSpPr>
+            <a:stCxn id="34" idx="6"/>
+          </p:cNvCxnSpPr>
+          <p:nvPr/>
+        </p:nvCxnSpPr>
+        <p:spPr>
+          <a:xfrm>
+            <a:off x="4782915" y="2460606"/>
+            <a:ext cx="744428" cy="0"/>
+          </a:xfrm>
+          <a:prstGeom prst="line">
+            <a:avLst/>
+          </a:prstGeom>
+          <a:ln w="25400">
+            <a:solidFill>
+              <a:schemeClr val="tx1"/>
+            </a:solidFill>
+          </a:ln>
+        </p:spPr>
+        <p:style>
+          <a:lnRef idx="1">
+            <a:schemeClr val="accent1"/>
+          </a:lnRef>
+          <a:fillRef idx="0">
+            <a:schemeClr val="accent1"/>
+          </a:fillRef>
+          <a:effectRef idx="0">
+            <a:schemeClr val="accent1"/>
+          </a:effectRef>
+          <a:fontRef idx="minor">
+            <a:schemeClr val="tx1"/>
+          </a:fontRef>
+        </p:style>
+      </p:cxnSp>
+      <p:cxnSp>
+        <p:nvCxnSpPr>
+          <p:cNvPr id="47" name="Straight Connector 46"/>
+          <p:cNvCxnSpPr>
+            <a:endCxn id="42" idx="2"/>
+          </p:cNvCxnSpPr>
+          <p:nvPr/>
+        </p:nvCxnSpPr>
+        <p:spPr>
+          <a:xfrm>
+            <a:off x="6641285" y="2460606"/>
+            <a:ext cx="766038" cy="0"/>
+          </a:xfrm>
+          <a:prstGeom prst="line">
+            <a:avLst/>
+          </a:prstGeom>
+          <a:ln w="25400">
+            <a:solidFill>
+              <a:schemeClr val="tx1"/>
+            </a:solidFill>
+          </a:ln>
+        </p:spPr>
+        <p:style>
+          <a:lnRef idx="1">
+            <a:schemeClr val="accent1"/>
+          </a:lnRef>
+          <a:fillRef idx="0">
+            <a:schemeClr val="accent1"/>
+          </a:fillRef>
+          <a:effectRef idx="0">
+            <a:schemeClr val="accent1"/>
+          </a:effectRef>
+          <a:fontRef idx="minor">
+            <a:schemeClr val="tx1"/>
+          </a:fontRef>
+        </p:style>
+      </p:cxnSp>
+      <p:cxnSp>
+        <p:nvCxnSpPr>
+          <p:cNvPr id="48" name="Straight Connector 47"/>
+          <p:cNvCxnSpPr>
+            <a:endCxn id="44" idx="2"/>
+          </p:cNvCxnSpPr>
+          <p:nvPr/>
+        </p:nvCxnSpPr>
+        <p:spPr>
+          <a:xfrm>
+            <a:off x="6641285" y="3832206"/>
+            <a:ext cx="766038" cy="0"/>
+          </a:xfrm>
+          <a:prstGeom prst="line">
+            <a:avLst/>
+          </a:prstGeom>
+          <a:ln w="25400">
+            <a:solidFill>
+              <a:schemeClr val="tx1"/>
+            </a:solidFill>
+            <a:prstDash val="solid"/>
+          </a:ln>
+        </p:spPr>
+        <p:style>
+          <a:lnRef idx="1">
+            <a:schemeClr val="accent1"/>
+          </a:lnRef>
+          <a:fillRef idx="0">
+            <a:schemeClr val="accent1"/>
+          </a:fillRef>
+          <a:effectRef idx="0">
+            <a:schemeClr val="accent1"/>
+          </a:effectRef>
+          <a:fontRef idx="minor">
+            <a:schemeClr val="tx1"/>
+          </a:fontRef>
+        </p:style>
+      </p:cxnSp>
+      <p:cxnSp>
+        <p:nvCxnSpPr>
+          <p:cNvPr id="55" name="Straight Connector 54"/>
+          <p:cNvCxnSpPr>
+            <a:stCxn id="37" idx="2"/>
+            <a:endCxn id="33" idx="6"/>
+          </p:cNvCxnSpPr>
+          <p:nvPr/>
+        </p:nvCxnSpPr>
+        <p:spPr>
+          <a:xfrm flipH="1">
+            <a:off x="3456807" y="3832206"/>
+            <a:ext cx="766038" cy="0"/>
+          </a:xfrm>
+          <a:prstGeom prst="line">
+            <a:avLst/>
+          </a:prstGeom>
+          <a:ln w="25400">
+            <a:solidFill>
+              <a:schemeClr val="tx1"/>
+            </a:solidFill>
+            <a:prstDash val="solid"/>
+          </a:ln>
+        </p:spPr>
+        <p:style>
+          <a:lnRef idx="1">
+            <a:schemeClr val="accent1"/>
+          </a:lnRef>
+          <a:fillRef idx="0">
+            <a:schemeClr val="accent1"/>
+          </a:fillRef>
+          <a:effectRef idx="0">
+            <a:schemeClr val="accent1"/>
+          </a:effectRef>
+          <a:fontRef idx="minor">
+            <a:schemeClr val="tx1"/>
+          </a:fontRef>
+        </p:style>
+      </p:cxnSp>
+      <p:cxnSp>
+        <p:nvCxnSpPr>
+          <p:cNvPr id="31" name="Straight Connector 30"/>
+          <p:cNvCxnSpPr>
+            <a:stCxn id="37" idx="6"/>
+          </p:cNvCxnSpPr>
+          <p:nvPr/>
+        </p:nvCxnSpPr>
+        <p:spPr>
+          <a:xfrm>
+            <a:off x="4782915" y="3832206"/>
+            <a:ext cx="744428" cy="0"/>
+          </a:xfrm>
+          <a:prstGeom prst="line">
+            <a:avLst/>
+          </a:prstGeom>
+          <a:ln w="25400">
+            <a:solidFill>
+              <a:schemeClr val="tx1"/>
+            </a:solidFill>
+          </a:ln>
+        </p:spPr>
+        <p:style>
+          <a:lnRef idx="1">
+            <a:schemeClr val="accent1"/>
+          </a:lnRef>
+          <a:fillRef idx="0">
+            <a:schemeClr val="accent1"/>
+          </a:fillRef>
+          <a:effectRef idx="0">
+            <a:schemeClr val="accent1"/>
+          </a:effectRef>
+          <a:fontRef idx="minor">
+            <a:schemeClr val="tx1"/>
+          </a:fontRef>
+        </p:style>
+      </p:cxnSp>
+      <p:sp>
+        <p:nvSpPr>
+          <p:cNvPr id="49" name="TextBox 48"/>
+          <p:cNvSpPr txBox="1"/>
+          <p:nvPr/>
+        </p:nvSpPr>
+        <p:spPr>
+          <a:xfrm>
+            <a:off x="5561211" y="1594054"/>
+            <a:ext cx="822661" cy="1200329"/>
+          </a:xfrm>
+          <a:prstGeom prst="rect">
+            <a:avLst/>
+          </a:prstGeom>
+          <a:noFill/>
+        </p:spPr>
+        <p:txBody>
+          <a:bodyPr wrap="none" rtlCol="0">
+            <a:spAutoFit/>
+          </a:bodyPr>
+          <a:lstStyle/>
+          <a:p>
+            <a:r>
+              <a:rPr lang="mr-IN" sz="7200" dirty="0" smtClean="0"/>
+              <a:t>…</a:t>
+            </a:r>
+            <a:endParaRPr lang="en-US" sz="7200" dirty="0"/>
+          </a:p>
+        </p:txBody>
+      </p:sp>
+      <p:sp>
+        <p:nvSpPr>
+          <p:cNvPr id="51" name="TextBox 50"/>
+          <p:cNvSpPr txBox="1"/>
+          <p:nvPr/>
+        </p:nvSpPr>
+        <p:spPr>
+          <a:xfrm>
+            <a:off x="5564508" y="2965654"/>
+            <a:ext cx="822661" cy="1200329"/>
+          </a:xfrm>
+          <a:prstGeom prst="rect">
+            <a:avLst/>
+          </a:prstGeom>
+          <a:noFill/>
+        </p:spPr>
+        <p:txBody>
+          <a:bodyPr wrap="none" rtlCol="0">
+            <a:spAutoFit/>
+          </a:bodyPr>
+          <a:lstStyle/>
+          <a:p>
+            <a:r>
+              <a:rPr lang="mr-IN" sz="7200" dirty="0" smtClean="0"/>
+              <a:t>…</a:t>
+            </a:r>
+            <a:endParaRPr lang="en-US" sz="7200" dirty="0"/>
+          </a:p>
+        </p:txBody>
+      </p:sp>
+      <p:cxnSp>
+        <p:nvCxnSpPr>
+          <p:cNvPr id="3" name="Curved Connector 2"/>
+          <p:cNvCxnSpPr>
+            <a:stCxn id="4" idx="1"/>
+            <a:endCxn id="42" idx="7"/>
+          </p:cNvCxnSpPr>
+          <p:nvPr/>
+        </p:nvCxnSpPr>
+        <p:spPr>
+          <a:xfrm rot="5400000" flipH="1" flipV="1">
+            <a:off x="5432065" y="-190717"/>
+            <a:ext cx="12700" cy="4906616"/>
+          </a:xfrm>
+          <a:prstGeom prst="curvedConnector3">
+            <a:avLst>
+              <a:gd name="adj1" fmla="val 9430898"/>
+            </a:avLst>
+          </a:prstGeom>
+          <a:ln w="25400">
+            <a:solidFill>
+              <a:schemeClr val="tx1"/>
+            </a:solidFill>
+          </a:ln>
+        </p:spPr>
+        <p:style>
+          <a:lnRef idx="1">
+            <a:schemeClr val="accent1"/>
+          </a:lnRef>
+          <a:fillRef idx="0">
+            <a:schemeClr val="accent1"/>
+          </a:fillRef>
+          <a:effectRef idx="0">
+            <a:schemeClr val="accent1"/>
+          </a:effectRef>
+          <a:fontRef idx="minor">
+            <a:schemeClr val="tx1"/>
+          </a:fontRef>
+        </p:style>
+      </p:cxnSp>
+      <p:cxnSp>
+        <p:nvCxnSpPr>
+          <p:cNvPr id="32" name="Curved Connector 31"/>
+          <p:cNvCxnSpPr>
+            <a:stCxn id="33" idx="3"/>
+            <a:endCxn id="44" idx="5"/>
+          </p:cNvCxnSpPr>
+          <p:nvPr/>
+        </p:nvCxnSpPr>
+        <p:spPr>
+          <a:xfrm rot="16200000" flipH="1">
+            <a:off x="5432065" y="1576913"/>
+            <a:ext cx="12700" cy="4906616"/>
+          </a:xfrm>
+          <a:prstGeom prst="curvedConnector3">
+            <a:avLst>
+              <a:gd name="adj1" fmla="val 7711496"/>
+            </a:avLst>
+          </a:prstGeom>
+          <a:ln w="25400">
+            <a:solidFill>
+              <a:schemeClr val="tx1"/>
+            </a:solidFill>
+          </a:ln>
+        </p:spPr>
+        <p:style>
+          <a:lnRef idx="1">
+            <a:schemeClr val="accent1"/>
+          </a:lnRef>
+          <a:fillRef idx="0">
+            <a:schemeClr val="accent1"/>
+          </a:fillRef>
+          <a:effectRef idx="0">
+            <a:schemeClr val="accent1"/>
+          </a:effectRef>
+          <a:fontRef idx="minor">
+            <a:schemeClr val="tx1"/>
+          </a:fontRef>
+        </p:style>
+      </p:cxnSp>
+    </p:spTree>
+    <p:extLst>
+      <p:ext uri="{BB962C8B-B14F-4D97-AF65-F5344CB8AC3E}">
+        <p14:creationId xmlns:p14="http://schemas.microsoft.com/office/powerpoint/2010/main" val="1656594287"/>
+      </p:ext>
+    </p:extLst>
+  </p:cSld>
+  <p:clrMapOvr>
+    <a:masterClrMapping/>
+  </p:clrMapOvr>
+</p:sld>
+</file>
+
 <file path=ppt/theme/theme1.xml><?xml version="1.0" encoding="utf-8"?>
 <a:theme xmlns:a="http://schemas.openxmlformats.org/drawingml/2006/main" name="Office Theme">
   <a:themeElements>

--- a/ps2/figures.pptx
+++ b/ps2/figures.pptx
@@ -8,6 +8,7 @@
     <p:sldId id="256" r:id="rId2"/>
     <p:sldId id="257" r:id="rId3"/>
     <p:sldId id="258" r:id="rId4"/>
+    <p:sldId id="259" r:id="rId5"/>
   </p:sldIdLst>
   <p:sldSz cx="12192000" cy="6858000"/>
   <p:notesSz cx="6858000" cy="9144000"/>
@@ -5496,6 +5497,787 @@
 </p:sld>
 </file>
 
+<file path=ppt/slides/slide4.xml><?xml version="1.0" encoding="utf-8"?>
+<p:sld xmlns:a="http://schemas.openxmlformats.org/drawingml/2006/main" xmlns:r="http://schemas.openxmlformats.org/officeDocument/2006/relationships" xmlns:p="http://schemas.openxmlformats.org/presentationml/2006/main">
+  <p:cSld>
+    <p:spTree>
+      <p:nvGrpSpPr>
+        <p:cNvPr id="1" name=""/>
+        <p:cNvGrpSpPr/>
+        <p:nvPr/>
+      </p:nvGrpSpPr>
+      <p:grpSpPr>
+        <a:xfrm>
+          <a:off x="0" y="0"/>
+          <a:ext cx="0" cy="0"/>
+          <a:chOff x="0" y="0"/>
+          <a:chExt cx="0" cy="0"/>
+        </a:xfrm>
+      </p:grpSpPr>
+      <p:sp>
+        <p:nvSpPr>
+          <p:cNvPr id="4" name="Oval 3"/>
+          <p:cNvSpPr/>
+          <p:nvPr/>
+        </p:nvSpPr>
+        <p:spPr>
+          <a:xfrm rot="5400000">
+            <a:off x="5813952" y="3235789"/>
+            <a:ext cx="560070" cy="560070"/>
+          </a:xfrm>
+          <a:prstGeom prst="ellipse">
+            <a:avLst/>
+          </a:prstGeom>
+          <a:noFill/>
+          <a:ln w="25400">
+            <a:solidFill>
+              <a:schemeClr val="tx1"/>
+            </a:solidFill>
+          </a:ln>
+        </p:spPr>
+        <p:style>
+          <a:lnRef idx="2">
+            <a:schemeClr val="accent1">
+              <a:shade val="50000"/>
+            </a:schemeClr>
+          </a:lnRef>
+          <a:fillRef idx="1">
+            <a:schemeClr val="accent1"/>
+          </a:fillRef>
+          <a:effectRef idx="0">
+            <a:schemeClr val="accent1"/>
+          </a:effectRef>
+          <a:fontRef idx="minor">
+            <a:schemeClr val="lt1"/>
+          </a:fontRef>
+        </p:style>
+        <p:txBody>
+          <a:bodyPr rtlCol="0" anchor="ctr"/>
+          <a:lstStyle/>
+          <a:p>
+            <a:pPr algn="ctr"/>
+            <a:endParaRPr lang="en-US" sz="2800" baseline="-25000" dirty="0">
+              <a:solidFill>
+                <a:schemeClr val="tx1"/>
+              </a:solidFill>
+            </a:endParaRPr>
+          </a:p>
+        </p:txBody>
+      </p:sp>
+      <p:sp>
+        <p:nvSpPr>
+          <p:cNvPr id="5" name="Oval 4"/>
+          <p:cNvSpPr/>
+          <p:nvPr/>
+        </p:nvSpPr>
+        <p:spPr>
+          <a:xfrm rot="5400000">
+            <a:off x="4037468" y="1823246"/>
+            <a:ext cx="560070" cy="560070"/>
+          </a:xfrm>
+          <a:prstGeom prst="ellipse">
+            <a:avLst/>
+          </a:prstGeom>
+          <a:noFill/>
+          <a:ln w="25400">
+            <a:solidFill>
+              <a:schemeClr val="tx1"/>
+            </a:solidFill>
+          </a:ln>
+        </p:spPr>
+        <p:style>
+          <a:lnRef idx="2">
+            <a:schemeClr val="accent1">
+              <a:shade val="50000"/>
+            </a:schemeClr>
+          </a:lnRef>
+          <a:fillRef idx="1">
+            <a:schemeClr val="accent1"/>
+          </a:fillRef>
+          <a:effectRef idx="0">
+            <a:schemeClr val="accent1"/>
+          </a:effectRef>
+          <a:fontRef idx="minor">
+            <a:schemeClr val="lt1"/>
+          </a:fontRef>
+        </p:style>
+        <p:txBody>
+          <a:bodyPr rtlCol="0" anchor="ctr"/>
+          <a:lstStyle/>
+          <a:p>
+            <a:pPr algn="ctr"/>
+            <a:endParaRPr lang="en-US" sz="2400" baseline="-25000" dirty="0">
+              <a:solidFill>
+                <a:schemeClr val="tx1"/>
+              </a:solidFill>
+            </a:endParaRPr>
+          </a:p>
+        </p:txBody>
+      </p:sp>
+      <p:sp>
+        <p:nvSpPr>
+          <p:cNvPr id="6" name="Oval 5"/>
+          <p:cNvSpPr/>
+          <p:nvPr/>
+        </p:nvSpPr>
+        <p:spPr>
+          <a:xfrm rot="5400000">
+            <a:off x="3177659" y="3235789"/>
+            <a:ext cx="560070" cy="560070"/>
+          </a:xfrm>
+          <a:prstGeom prst="ellipse">
+            <a:avLst/>
+          </a:prstGeom>
+          <a:noFill/>
+          <a:ln w="25400">
+            <a:solidFill>
+              <a:schemeClr val="tx1"/>
+            </a:solidFill>
+          </a:ln>
+        </p:spPr>
+        <p:style>
+          <a:lnRef idx="2">
+            <a:schemeClr val="accent1">
+              <a:shade val="50000"/>
+            </a:schemeClr>
+          </a:lnRef>
+          <a:fillRef idx="1">
+            <a:schemeClr val="accent1"/>
+          </a:fillRef>
+          <a:effectRef idx="0">
+            <a:schemeClr val="accent1"/>
+          </a:effectRef>
+          <a:fontRef idx="minor">
+            <a:schemeClr val="lt1"/>
+          </a:fontRef>
+        </p:style>
+        <p:txBody>
+          <a:bodyPr rtlCol="0" anchor="ctr"/>
+          <a:lstStyle/>
+          <a:p>
+            <a:pPr algn="ctr"/>
+            <a:endParaRPr lang="en-US" sz="2400" baseline="-25000" dirty="0">
+              <a:solidFill>
+                <a:schemeClr val="tx1"/>
+              </a:solidFill>
+            </a:endParaRPr>
+          </a:p>
+        </p:txBody>
+      </p:sp>
+      <p:sp>
+        <p:nvSpPr>
+          <p:cNvPr id="7" name="Oval 6"/>
+          <p:cNvSpPr/>
+          <p:nvPr/>
+        </p:nvSpPr>
+        <p:spPr>
+          <a:xfrm rot="5400000">
+            <a:off x="4037468" y="4648332"/>
+            <a:ext cx="560070" cy="560070"/>
+          </a:xfrm>
+          <a:prstGeom prst="ellipse">
+            <a:avLst/>
+          </a:prstGeom>
+          <a:noFill/>
+          <a:ln w="25400">
+            <a:solidFill>
+              <a:schemeClr val="tx1"/>
+            </a:solidFill>
+          </a:ln>
+        </p:spPr>
+        <p:style>
+          <a:lnRef idx="2">
+            <a:schemeClr val="accent1">
+              <a:shade val="50000"/>
+            </a:schemeClr>
+          </a:lnRef>
+          <a:fillRef idx="1">
+            <a:schemeClr val="accent1"/>
+          </a:fillRef>
+          <a:effectRef idx="0">
+            <a:schemeClr val="accent1"/>
+          </a:effectRef>
+          <a:fontRef idx="minor">
+            <a:schemeClr val="lt1"/>
+          </a:fontRef>
+        </p:style>
+        <p:txBody>
+          <a:bodyPr rtlCol="0" anchor="ctr"/>
+          <a:lstStyle/>
+          <a:p>
+            <a:pPr algn="ctr"/>
+            <a:endParaRPr lang="en-US" sz="2400" baseline="-25000" dirty="0">
+              <a:solidFill>
+                <a:schemeClr val="tx1"/>
+              </a:solidFill>
+            </a:endParaRPr>
+          </a:p>
+        </p:txBody>
+      </p:sp>
+      <p:cxnSp>
+        <p:nvCxnSpPr>
+          <p:cNvPr id="9" name="Straight Connector 8"/>
+          <p:cNvCxnSpPr>
+            <a:stCxn id="4" idx="4"/>
+            <a:endCxn id="6" idx="0"/>
+          </p:cNvCxnSpPr>
+          <p:nvPr/>
+        </p:nvCxnSpPr>
+        <p:spPr>
+          <a:xfrm rot="5400000">
+            <a:off x="4775841" y="2477713"/>
+            <a:ext cx="0" cy="2076223"/>
+          </a:xfrm>
+          <a:prstGeom prst="line">
+            <a:avLst/>
+          </a:prstGeom>
+          <a:ln w="25400">
+            <a:solidFill>
+              <a:schemeClr val="tx1"/>
+            </a:solidFill>
+          </a:ln>
+        </p:spPr>
+        <p:style>
+          <a:lnRef idx="1">
+            <a:schemeClr val="accent1"/>
+          </a:lnRef>
+          <a:fillRef idx="0">
+            <a:schemeClr val="accent1"/>
+          </a:fillRef>
+          <a:effectRef idx="0">
+            <a:schemeClr val="accent1"/>
+          </a:effectRef>
+          <a:fontRef idx="minor">
+            <a:schemeClr val="tx1"/>
+          </a:fontRef>
+        </p:style>
+      </p:cxnSp>
+      <p:cxnSp>
+        <p:nvCxnSpPr>
+          <p:cNvPr id="11" name="Straight Connector 10"/>
+          <p:cNvCxnSpPr>
+            <a:stCxn id="4" idx="3"/>
+            <a:endCxn id="5" idx="7"/>
+          </p:cNvCxnSpPr>
+          <p:nvPr/>
+        </p:nvCxnSpPr>
+        <p:spPr>
+          <a:xfrm rot="5400000" flipH="1">
+            <a:off x="4697489" y="2119326"/>
+            <a:ext cx="1016513" cy="1380454"/>
+          </a:xfrm>
+          <a:prstGeom prst="line">
+            <a:avLst/>
+          </a:prstGeom>
+          <a:ln w="25400">
+            <a:solidFill>
+              <a:schemeClr val="tx1"/>
+            </a:solidFill>
+          </a:ln>
+        </p:spPr>
+        <p:style>
+          <a:lnRef idx="1">
+            <a:schemeClr val="accent1"/>
+          </a:lnRef>
+          <a:fillRef idx="0">
+            <a:schemeClr val="accent1"/>
+          </a:fillRef>
+          <a:effectRef idx="0">
+            <a:schemeClr val="accent1"/>
+          </a:effectRef>
+          <a:fontRef idx="minor">
+            <a:schemeClr val="tx1"/>
+          </a:fontRef>
+        </p:style>
+      </p:cxnSp>
+      <p:cxnSp>
+        <p:nvCxnSpPr>
+          <p:cNvPr id="14" name="Straight Connector 13"/>
+          <p:cNvCxnSpPr>
+            <a:stCxn id="4" idx="5"/>
+            <a:endCxn id="7" idx="1"/>
+          </p:cNvCxnSpPr>
+          <p:nvPr/>
+        </p:nvCxnSpPr>
+        <p:spPr>
+          <a:xfrm rot="5400000">
+            <a:off x="4697489" y="3531869"/>
+            <a:ext cx="1016513" cy="1380454"/>
+          </a:xfrm>
+          <a:prstGeom prst="line">
+            <a:avLst/>
+          </a:prstGeom>
+          <a:ln w="25400">
+            <a:solidFill>
+              <a:schemeClr val="tx1"/>
+            </a:solidFill>
+          </a:ln>
+        </p:spPr>
+        <p:style>
+          <a:lnRef idx="1">
+            <a:schemeClr val="accent1"/>
+          </a:lnRef>
+          <a:fillRef idx="0">
+            <a:schemeClr val="accent1"/>
+          </a:fillRef>
+          <a:effectRef idx="0">
+            <a:schemeClr val="accent1"/>
+          </a:effectRef>
+          <a:fontRef idx="minor">
+            <a:schemeClr val="tx1"/>
+          </a:fontRef>
+        </p:style>
+      </p:cxnSp>
+      <p:cxnSp>
+        <p:nvCxnSpPr>
+          <p:cNvPr id="17" name="Straight Connector 16"/>
+          <p:cNvCxnSpPr>
+            <a:stCxn id="5" idx="3"/>
+          </p:cNvCxnSpPr>
+          <p:nvPr/>
+        </p:nvCxnSpPr>
+        <p:spPr>
+          <a:xfrm rot="5400000" flipH="1">
+            <a:off x="3465826" y="1251604"/>
+            <a:ext cx="542632" cy="764692"/>
+          </a:xfrm>
+          <a:prstGeom prst="line">
+            <a:avLst/>
+          </a:prstGeom>
+          <a:ln w="25400">
+            <a:solidFill>
+              <a:schemeClr val="tx1"/>
+            </a:solidFill>
+          </a:ln>
+        </p:spPr>
+        <p:style>
+          <a:lnRef idx="1">
+            <a:schemeClr val="accent1"/>
+          </a:lnRef>
+          <a:fillRef idx="0">
+            <a:schemeClr val="accent1"/>
+          </a:fillRef>
+          <a:effectRef idx="0">
+            <a:schemeClr val="accent1"/>
+          </a:effectRef>
+          <a:fontRef idx="minor">
+            <a:schemeClr val="tx1"/>
+          </a:fontRef>
+        </p:style>
+      </p:cxnSp>
+      <p:cxnSp>
+        <p:nvCxnSpPr>
+          <p:cNvPr id="20" name="Straight Connector 19"/>
+          <p:cNvCxnSpPr>
+            <a:stCxn id="6" idx="4"/>
+          </p:cNvCxnSpPr>
+          <p:nvPr/>
+        </p:nvCxnSpPr>
+        <p:spPr>
+          <a:xfrm rot="5400000">
+            <a:off x="2856795" y="3194960"/>
+            <a:ext cx="0" cy="641729"/>
+          </a:xfrm>
+          <a:prstGeom prst="line">
+            <a:avLst/>
+          </a:prstGeom>
+          <a:ln w="25400">
+            <a:solidFill>
+              <a:schemeClr val="tx1"/>
+            </a:solidFill>
+          </a:ln>
+        </p:spPr>
+        <p:style>
+          <a:lnRef idx="1">
+            <a:schemeClr val="accent1"/>
+          </a:lnRef>
+          <a:fillRef idx="0">
+            <a:schemeClr val="accent1"/>
+          </a:fillRef>
+          <a:effectRef idx="0">
+            <a:schemeClr val="accent1"/>
+          </a:effectRef>
+          <a:fontRef idx="minor">
+            <a:schemeClr val="tx1"/>
+          </a:fontRef>
+        </p:style>
+      </p:cxnSp>
+      <p:cxnSp>
+        <p:nvCxnSpPr>
+          <p:cNvPr id="23" name="Straight Connector 22"/>
+          <p:cNvCxnSpPr>
+            <a:stCxn id="7" idx="5"/>
+          </p:cNvCxnSpPr>
+          <p:nvPr/>
+        </p:nvCxnSpPr>
+        <p:spPr>
+          <a:xfrm rot="5400000">
+            <a:off x="3541415" y="5042662"/>
+            <a:ext cx="494353" cy="661794"/>
+          </a:xfrm>
+          <a:prstGeom prst="line">
+            <a:avLst/>
+          </a:prstGeom>
+          <a:ln w="25400">
+            <a:solidFill>
+              <a:schemeClr val="tx1"/>
+            </a:solidFill>
+          </a:ln>
+        </p:spPr>
+        <p:style>
+          <a:lnRef idx="1">
+            <a:schemeClr val="accent1"/>
+          </a:lnRef>
+          <a:fillRef idx="0">
+            <a:schemeClr val="accent1"/>
+          </a:fillRef>
+          <a:effectRef idx="0">
+            <a:schemeClr val="accent1"/>
+          </a:effectRef>
+          <a:fontRef idx="minor">
+            <a:schemeClr val="tx1"/>
+          </a:fontRef>
+        </p:style>
+      </p:cxnSp>
+      <p:sp>
+        <p:nvSpPr>
+          <p:cNvPr id="27" name="TextBox 26"/>
+          <p:cNvSpPr txBox="1"/>
+          <p:nvPr/>
+        </p:nvSpPr>
+        <p:spPr>
+          <a:xfrm>
+            <a:off x="1465672" y="2647054"/>
+            <a:ext cx="822661" cy="1200329"/>
+          </a:xfrm>
+          <a:prstGeom prst="rect">
+            <a:avLst/>
+          </a:prstGeom>
+          <a:noFill/>
+        </p:spPr>
+        <p:txBody>
+          <a:bodyPr wrap="none" rtlCol="0">
+            <a:spAutoFit/>
+          </a:bodyPr>
+          <a:lstStyle/>
+          <a:p>
+            <a:r>
+              <a:rPr lang="mr-IN" sz="7200" dirty="0" smtClean="0"/>
+              <a:t>…</a:t>
+            </a:r>
+            <a:endParaRPr lang="en-US" sz="7200" dirty="0"/>
+          </a:p>
+        </p:txBody>
+      </p:sp>
+      <p:sp>
+        <p:nvSpPr>
+          <p:cNvPr id="30" name="TextBox 29"/>
+          <p:cNvSpPr txBox="1"/>
+          <p:nvPr/>
+        </p:nvSpPr>
+        <p:spPr>
+          <a:xfrm>
+            <a:off x="2318760" y="4773394"/>
+            <a:ext cx="822661" cy="1200329"/>
+          </a:xfrm>
+          <a:prstGeom prst="rect">
+            <a:avLst/>
+          </a:prstGeom>
+          <a:noFill/>
+        </p:spPr>
+        <p:txBody>
+          <a:bodyPr wrap="none" rtlCol="0">
+            <a:spAutoFit/>
+          </a:bodyPr>
+          <a:lstStyle/>
+          <a:p>
+            <a:r>
+              <a:rPr lang="mr-IN" sz="7200" dirty="0" smtClean="0"/>
+              <a:t>…</a:t>
+            </a:r>
+            <a:endParaRPr lang="en-US" sz="7200" dirty="0"/>
+          </a:p>
+        </p:txBody>
+      </p:sp>
+      <p:sp>
+        <p:nvSpPr>
+          <p:cNvPr id="31" name="TextBox 30"/>
+          <p:cNvSpPr txBox="1"/>
+          <p:nvPr/>
+        </p:nvSpPr>
+        <p:spPr>
+          <a:xfrm>
+            <a:off x="2318760" y="248939"/>
+            <a:ext cx="822661" cy="1200329"/>
+          </a:xfrm>
+          <a:prstGeom prst="rect">
+            <a:avLst/>
+          </a:prstGeom>
+          <a:noFill/>
+        </p:spPr>
+        <p:txBody>
+          <a:bodyPr wrap="none" rtlCol="0">
+            <a:spAutoFit/>
+          </a:bodyPr>
+          <a:lstStyle/>
+          <a:p>
+            <a:r>
+              <a:rPr lang="mr-IN" sz="7200" dirty="0" smtClean="0"/>
+              <a:t>…</a:t>
+            </a:r>
+            <a:endParaRPr lang="en-US" sz="7200" dirty="0"/>
+          </a:p>
+        </p:txBody>
+      </p:sp>
+      <p:cxnSp>
+        <p:nvCxnSpPr>
+          <p:cNvPr id="33" name="Straight Connector 32"/>
+          <p:cNvCxnSpPr>
+            <a:endCxn id="4" idx="0"/>
+          </p:cNvCxnSpPr>
+          <p:nvPr/>
+        </p:nvCxnSpPr>
+        <p:spPr>
+          <a:xfrm flipH="1">
+            <a:off x="6374022" y="3515824"/>
+            <a:ext cx="1626978" cy="0"/>
+          </a:xfrm>
+          <a:prstGeom prst="line">
+            <a:avLst/>
+          </a:prstGeom>
+          <a:ln w="25400">
+            <a:solidFill>
+              <a:schemeClr val="tx1"/>
+            </a:solidFill>
+          </a:ln>
+        </p:spPr>
+        <p:style>
+          <a:lnRef idx="1">
+            <a:schemeClr val="accent1"/>
+          </a:lnRef>
+          <a:fillRef idx="0">
+            <a:schemeClr val="accent1"/>
+          </a:fillRef>
+          <a:effectRef idx="0">
+            <a:schemeClr val="accent1"/>
+          </a:effectRef>
+          <a:fontRef idx="minor">
+            <a:schemeClr val="tx1"/>
+          </a:fontRef>
+        </p:style>
+      </p:cxnSp>
+      <p:sp>
+        <p:nvSpPr>
+          <p:cNvPr id="24" name="TextBox 23"/>
+          <p:cNvSpPr txBox="1"/>
+          <p:nvPr/>
+        </p:nvSpPr>
+        <p:spPr>
+          <a:xfrm>
+            <a:off x="6220867" y="2794590"/>
+            <a:ext cx="325730" cy="523220"/>
+          </a:xfrm>
+          <a:prstGeom prst="rect">
+            <a:avLst/>
+          </a:prstGeom>
+          <a:noFill/>
+        </p:spPr>
+        <p:txBody>
+          <a:bodyPr wrap="none" rtlCol="0">
+            <a:spAutoFit/>
+          </a:bodyPr>
+          <a:lstStyle/>
+          <a:p>
+            <a:r>
+              <a:rPr lang="en-US" sz="2800" dirty="0"/>
+              <a:t>s</a:t>
+            </a:r>
+          </a:p>
+        </p:txBody>
+      </p:sp>
+      <p:sp>
+        <p:nvSpPr>
+          <p:cNvPr id="36" name="Oval 35"/>
+          <p:cNvSpPr/>
+          <p:nvPr/>
+        </p:nvSpPr>
+        <p:spPr>
+          <a:xfrm rot="5400000">
+            <a:off x="8001000" y="3247218"/>
+            <a:ext cx="560070" cy="560070"/>
+          </a:xfrm>
+          <a:prstGeom prst="ellipse">
+            <a:avLst/>
+          </a:prstGeom>
+          <a:noFill/>
+          <a:ln w="25400">
+            <a:solidFill>
+              <a:schemeClr val="tx1"/>
+            </a:solidFill>
+          </a:ln>
+        </p:spPr>
+        <p:style>
+          <a:lnRef idx="2">
+            <a:schemeClr val="accent1">
+              <a:shade val="50000"/>
+            </a:schemeClr>
+          </a:lnRef>
+          <a:fillRef idx="1">
+            <a:schemeClr val="accent1"/>
+          </a:fillRef>
+          <a:effectRef idx="0">
+            <a:schemeClr val="accent1"/>
+          </a:effectRef>
+          <a:fontRef idx="minor">
+            <a:schemeClr val="lt1"/>
+          </a:fontRef>
+        </p:style>
+        <p:txBody>
+          <a:bodyPr rtlCol="0" anchor="ctr"/>
+          <a:lstStyle/>
+          <a:p>
+            <a:pPr algn="ctr"/>
+            <a:endParaRPr lang="en-US" sz="2800" baseline="-25000" dirty="0">
+              <a:solidFill>
+                <a:schemeClr val="tx1"/>
+              </a:solidFill>
+            </a:endParaRPr>
+          </a:p>
+        </p:txBody>
+      </p:sp>
+      <p:sp>
+        <p:nvSpPr>
+          <p:cNvPr id="37" name="TextBox 36"/>
+          <p:cNvSpPr txBox="1"/>
+          <p:nvPr/>
+        </p:nvSpPr>
+        <p:spPr>
+          <a:xfrm>
+            <a:off x="8398205" y="2794590"/>
+            <a:ext cx="304892" cy="523220"/>
+          </a:xfrm>
+          <a:prstGeom prst="rect">
+            <a:avLst/>
+          </a:prstGeom>
+          <a:noFill/>
+        </p:spPr>
+        <p:txBody>
+          <a:bodyPr wrap="none" rtlCol="0">
+            <a:spAutoFit/>
+          </a:bodyPr>
+          <a:lstStyle/>
+          <a:p>
+            <a:r>
+              <a:rPr lang="en-US" sz="2800" dirty="0" smtClean="0"/>
+              <a:t>t</a:t>
+            </a:r>
+            <a:endParaRPr lang="en-US" sz="2800" dirty="0"/>
+          </a:p>
+        </p:txBody>
+      </p:sp>
+      <p:sp>
+        <p:nvSpPr>
+          <p:cNvPr id="39" name="TextBox 38"/>
+          <p:cNvSpPr txBox="1"/>
+          <p:nvPr/>
+        </p:nvSpPr>
+        <p:spPr>
+          <a:xfrm>
+            <a:off x="4515518" y="1444724"/>
+            <a:ext cx="348172" cy="523220"/>
+          </a:xfrm>
+          <a:prstGeom prst="rect">
+            <a:avLst/>
+          </a:prstGeom>
+          <a:noFill/>
+        </p:spPr>
+        <p:txBody>
+          <a:bodyPr wrap="none" rtlCol="0">
+            <a:spAutoFit/>
+          </a:bodyPr>
+          <a:lstStyle/>
+          <a:p>
+            <a:r>
+              <a:rPr lang="en-US" sz="2800" dirty="0"/>
+              <a:t>k</a:t>
+            </a:r>
+            <a:endParaRPr lang="en-US" sz="2800" dirty="0"/>
+          </a:p>
+        </p:txBody>
+      </p:sp>
+      <p:sp>
+        <p:nvSpPr>
+          <p:cNvPr id="25" name="TextBox 24"/>
+          <p:cNvSpPr txBox="1"/>
+          <p:nvPr/>
+        </p:nvSpPr>
+        <p:spPr>
+          <a:xfrm>
+            <a:off x="3694690" y="722246"/>
+            <a:ext cx="1511055" cy="461665"/>
+          </a:xfrm>
+          <a:prstGeom prst="rect">
+            <a:avLst/>
+          </a:prstGeom>
+          <a:noFill/>
+        </p:spPr>
+        <p:txBody>
+          <a:bodyPr wrap="none" rtlCol="0">
+            <a:spAutoFit/>
+          </a:bodyPr>
+          <a:lstStyle/>
+          <a:p>
+            <a:r>
+              <a:rPr lang="en-US" sz="2400" b="1" dirty="0" smtClean="0"/>
+              <a:t>depth: n-1</a:t>
+            </a:r>
+            <a:endParaRPr lang="en-US" sz="2400" b="1" dirty="0"/>
+          </a:p>
+        </p:txBody>
+      </p:sp>
+      <p:sp>
+        <p:nvSpPr>
+          <p:cNvPr id="40" name="TextBox 39"/>
+          <p:cNvSpPr txBox="1"/>
+          <p:nvPr/>
+        </p:nvSpPr>
+        <p:spPr>
+          <a:xfrm>
+            <a:off x="5743529" y="2112325"/>
+            <a:ext cx="1260986" cy="461665"/>
+          </a:xfrm>
+          <a:prstGeom prst="rect">
+            <a:avLst/>
+          </a:prstGeom>
+          <a:noFill/>
+        </p:spPr>
+        <p:txBody>
+          <a:bodyPr wrap="none" rtlCol="0">
+            <a:spAutoFit/>
+          </a:bodyPr>
+          <a:lstStyle/>
+          <a:p>
+            <a:r>
+              <a:rPr lang="en-US" sz="2400" b="1" dirty="0" smtClean="0"/>
+              <a:t>depth: n</a:t>
+            </a:r>
+            <a:endParaRPr lang="en-US" sz="2400" b="1" dirty="0"/>
+          </a:p>
+        </p:txBody>
+      </p:sp>
+    </p:spTree>
+    <p:extLst>
+      <p:ext uri="{BB962C8B-B14F-4D97-AF65-F5344CB8AC3E}">
+        <p14:creationId xmlns:p14="http://schemas.microsoft.com/office/powerpoint/2010/main" val="291674045"/>
+      </p:ext>
+    </p:extLst>
+  </p:cSld>
+  <p:clrMapOvr>
+    <a:masterClrMapping/>
+  </p:clrMapOvr>
+</p:sld>
+</file>
+
 <file path=ppt/theme/theme1.xml><?xml version="1.0" encoding="utf-8"?>
 <a:theme xmlns:a="http://schemas.openxmlformats.org/drawingml/2006/main" name="Office Theme">
   <a:themeElements>
